--- a/character/Project17/Robot Jump.pptx
+++ b/character/Project17/Robot Jump.pptx
@@ -110,6 +110,11 @@
       </a:defRPr>
     </a:lvl9pPr>
   </p:defaultTextStyle>
+  <p:extLst>
+    <p:ext uri="{EFAFB233-063F-42B5-8137-9DF3F51BA10A}">
+      <p15:sldGuideLst xmlns:p15="http://schemas.microsoft.com/office/powerpoint/2012/main"/>
+    </p:ext>
+  </p:extLst>
 </p:presentation>
 </file>
 
@@ -3593,13 +3598,23 @@
             <p:ph idx="1"/>
           </p:nvPr>
         </p:nvSpPr>
-        <p:spPr/>
+        <p:spPr>
+          <a:xfrm>
+            <a:off x="838200" y="1517715"/>
+            <a:ext cx="10515600" cy="5081048"/>
+          </a:xfrm>
+        </p:spPr>
         <p:txBody>
           <a:bodyPr>
             <a:normAutofit fontScale="92500" lnSpcReduction="10000"/>
           </a:bodyPr>
           <a:lstStyle/>
           <a:p>
+            <a:pPr>
+              <a:lnSpc>
+                <a:spcPct val="95000"/>
+              </a:lnSpc>
+            </a:pPr>
             <a:r>
               <a:rPr lang="ko-KR" altLang="en-US" dirty="0" err="1"/>
               <a:t>플랫포머</a:t>
@@ -3611,9 +3626,19 @@
             <a:endParaRPr lang="en-US" altLang="ko-KR" dirty="0"/>
           </a:p>
           <a:p>
+            <a:pPr>
+              <a:lnSpc>
+                <a:spcPct val="95000"/>
+              </a:lnSpc>
+            </a:pPr>
             <a:endParaRPr lang="en-US" altLang="ko-KR" dirty="0"/>
           </a:p>
           <a:p>
+            <a:pPr>
+              <a:lnSpc>
+                <a:spcPct val="95000"/>
+              </a:lnSpc>
+            </a:pPr>
             <a:r>
               <a:rPr lang="en-US" altLang="ko-KR" dirty="0"/>
               <a:t>3</a:t>
@@ -3625,9 +3650,19 @@
             <a:endParaRPr lang="en-US" altLang="ko-KR" dirty="0"/>
           </a:p>
           <a:p>
+            <a:pPr>
+              <a:lnSpc>
+                <a:spcPct val="95000"/>
+              </a:lnSpc>
+            </a:pPr>
             <a:endParaRPr lang="en-US" altLang="ko-KR" dirty="0"/>
           </a:p>
           <a:p>
+            <a:pPr>
+              <a:lnSpc>
+                <a:spcPct val="95000"/>
+              </a:lnSpc>
+            </a:pPr>
             <a:r>
               <a:rPr lang="en-US" altLang="ko-KR" dirty="0" err="1"/>
               <a:t>Aabb</a:t>
@@ -3643,9 +3678,19 @@
             <a:endParaRPr lang="en-US" altLang="ko-KR" dirty="0"/>
           </a:p>
           <a:p>
+            <a:pPr>
+              <a:lnSpc>
+                <a:spcPct val="95000"/>
+              </a:lnSpc>
+            </a:pPr>
             <a:endParaRPr lang="en-US" altLang="ko-KR" dirty="0"/>
           </a:p>
           <a:p>
+            <a:pPr>
+              <a:lnSpc>
+                <a:spcPct val="95000"/>
+              </a:lnSpc>
+            </a:pPr>
             <a:r>
               <a:rPr lang="ko-KR" altLang="en-US" dirty="0"/>
               <a:t>조작법</a:t>
@@ -3713,6 +3758,17 @@
             <a:r>
               <a:rPr lang="ko-KR" altLang="en-US" dirty="0"/>
               <a:t>→</a:t>
+            </a:r>
+            <a:br>
+              <a:rPr lang="en-US" altLang="ko-KR" dirty="0"/>
+            </a:br>
+            <a:r>
+              <a:rPr lang="ko-KR" altLang="en-US" dirty="0"/>
+              <a:t>클리어 위치로 즉시 이동</a:t>
+            </a:r>
+            <a:r>
+              <a:rPr lang="en-US" altLang="ko-KR" dirty="0"/>
+              <a:t>: g</a:t>
             </a:r>
           </a:p>
         </p:txBody>
@@ -4865,31 +4921,66 @@
           </a:p>
         </p:txBody>
       </p:sp>
-      <p:sp>
-        <p:nvSpPr>
-          <p:cNvPr id="3" name="내용 개체 틀 2">
-            <a:extLst>
-              <a:ext uri="{FF2B5EF4-FFF2-40B4-BE49-F238E27FC236}">
-                <a16:creationId xmlns:a16="http://schemas.microsoft.com/office/drawing/2014/main" id="{4C948334-F2A3-316A-B535-7F908302B48C}"/>
-              </a:ext>
-            </a:extLst>
-          </p:cNvPr>
-          <p:cNvSpPr>
-            <a:spLocks noGrp="1"/>
-          </p:cNvSpPr>
-          <p:nvPr>
-            <p:ph idx="1"/>
-          </p:nvPr>
-        </p:nvSpPr>
-        <p:spPr/>
-        <p:txBody>
-          <a:bodyPr/>
-          <a:lstStyle/>
-          <a:p>
-            <a:endParaRPr lang="ko-KR" altLang="en-US"/>
-          </a:p>
-        </p:txBody>
-      </p:sp>
+      <p:pic>
+        <p:nvPicPr>
+          <p:cNvPr id="5" name="그림 4">
+            <a:extLst>
+              <a:ext uri="{FF2B5EF4-FFF2-40B4-BE49-F238E27FC236}">
+                <a16:creationId xmlns:a16="http://schemas.microsoft.com/office/drawing/2014/main" id="{F94CD966-DC85-761A-B5FD-4E0CA525BDB7}"/>
+              </a:ext>
+            </a:extLst>
+          </p:cNvPr>
+          <p:cNvPicPr>
+            <a:picLocks noChangeAspect="1"/>
+          </p:cNvPicPr>
+          <p:nvPr/>
+        </p:nvPicPr>
+        <p:blipFill>
+          <a:blip r:embed="rId2"/>
+          <a:stretch>
+            <a:fillRect/>
+          </a:stretch>
+        </p:blipFill>
+        <p:spPr>
+          <a:xfrm>
+            <a:off x="258406" y="1625491"/>
+            <a:ext cx="5402910" cy="4001907"/>
+          </a:xfrm>
+          <a:prstGeom prst="rect">
+            <a:avLst/>
+          </a:prstGeom>
+        </p:spPr>
+      </p:pic>
+      <p:pic>
+        <p:nvPicPr>
+          <p:cNvPr id="9" name="그림 8">
+            <a:extLst>
+              <a:ext uri="{FF2B5EF4-FFF2-40B4-BE49-F238E27FC236}">
+                <a16:creationId xmlns:a16="http://schemas.microsoft.com/office/drawing/2014/main" id="{0304DFD4-2F84-E441-4DCB-60E4E0A54069}"/>
+              </a:ext>
+            </a:extLst>
+          </p:cNvPr>
+          <p:cNvPicPr>
+            <a:picLocks noChangeAspect="1"/>
+          </p:cNvPicPr>
+          <p:nvPr/>
+        </p:nvPicPr>
+        <p:blipFill>
+          <a:blip r:embed="rId3"/>
+          <a:stretch>
+            <a:fillRect/>
+          </a:stretch>
+        </p:blipFill>
+        <p:spPr>
+          <a:xfrm>
+            <a:off x="6096000" y="1625491"/>
+            <a:ext cx="5425858" cy="4001907"/>
+          </a:xfrm>
+          <a:prstGeom prst="rect">
+            <a:avLst/>
+          </a:prstGeom>
+        </p:spPr>
+      </p:pic>
     </p:spTree>
     <p:extLst>
       <p:ext uri="{BB962C8B-B14F-4D97-AF65-F5344CB8AC3E}">
@@ -4969,7 +5060,7 @@
           <a:bodyPr/>
           <a:lstStyle/>
           <a:p>
-            <a:endParaRPr lang="ko-KR" altLang="en-US"/>
+            <a:endParaRPr lang="ko-KR" altLang="en-US" dirty="0"/>
           </a:p>
         </p:txBody>
       </p:sp>
